--- a/Group 1 Presentation 1.pptx
+++ b/Group 1 Presentation 1.pptx
@@ -5,7 +5,7 @@
     <p:sldMasterId id="2147483681" r:id="rId1"/>
   </p:sldMasterIdLst>
   <p:notesMasterIdLst>
-    <p:notesMasterId r:id="rId12"/>
+    <p:notesMasterId r:id="rId13"/>
   </p:notesMasterIdLst>
   <p:sldIdLst>
     <p:sldId id="256" r:id="rId2"/>
@@ -14,10 +14,11 @@
     <p:sldId id="261" r:id="rId5"/>
     <p:sldId id="262" r:id="rId6"/>
     <p:sldId id="263" r:id="rId7"/>
-    <p:sldId id="264" r:id="rId8"/>
-    <p:sldId id="265" r:id="rId9"/>
-    <p:sldId id="266" r:id="rId10"/>
-    <p:sldId id="267" r:id="rId11"/>
+    <p:sldId id="268" r:id="rId8"/>
+    <p:sldId id="264" r:id="rId9"/>
+    <p:sldId id="265" r:id="rId10"/>
+    <p:sldId id="266" r:id="rId11"/>
+    <p:sldId id="267" r:id="rId12"/>
   </p:sldIdLst>
   <p:sldSz cx="12192000" cy="6858000"/>
   <p:notesSz cx="6858000" cy="9144000"/>
@@ -130,6 +131,7 @@
     <p1510:client id="{2CFEAE32-8737-46B4-A8DF-3957BFF09E25}" v="305" dt="2022-07-31T16:47:29.106"/>
     <p1510:client id="{7B8A8E8B-B58D-495C-89A2-D1905958A363}" v="378" dt="2022-07-31T16:25:15.873"/>
     <p1510:client id="{820D4934-0610-4B74-92BB-DA950E264EA9}" v="32" dt="2022-08-01T23:34:21.196"/>
+    <p1510:client id="{996D3D9E-0DB4-45C2-A94C-2EF3AF3A39A7}" v="24" dt="2022-08-01T23:40:23.157"/>
     <p1510:client id="{A3458BC9-A8F9-45F8-920F-FE2AFC8D0FD3}" v="192" dt="2022-07-31T15:42:15.023"/>
   </p1510:revLst>
 </p1510:revInfo>
@@ -814,7 +816,7 @@
     </p:spTree>
     <p:extLst>
       <p:ext uri="{BB962C8B-B14F-4D97-AF65-F5344CB8AC3E}">
-        <p14:creationId xmlns:p14="http://schemas.microsoft.com/office/powerpoint/2010/main" val="2311292331"/>
+        <p14:creationId xmlns:p14="http://schemas.microsoft.com/office/powerpoint/2010/main" val="1606975382"/>
       </p:ext>
     </p:extLst>
   </p:cSld>
@@ -919,7 +921,7 @@
           <a:lstStyle/>
           <a:p>
             <a:fld id="{4F7BEB41-7FFB-4F1C-84C7-2BDCAC3F29CF}" type="slidenum">
-              <a:t>8</a:t>
+              <a:t>7</a:t>
             </a:fld>
             <a:endParaRPr lang="en-US"/>
           </a:p>
@@ -928,7 +930,7 @@
     </p:spTree>
     <p:extLst>
       <p:ext uri="{BB962C8B-B14F-4D97-AF65-F5344CB8AC3E}">
-        <p14:creationId xmlns:p14="http://schemas.microsoft.com/office/powerpoint/2010/main" val="2563818712"/>
+        <p14:creationId xmlns:p14="http://schemas.microsoft.com/office/powerpoint/2010/main" val="2311292331"/>
       </p:ext>
     </p:extLst>
   </p:cSld>
@@ -1033,6 +1035,120 @@
           <a:lstStyle/>
           <a:p>
             <a:fld id="{4F7BEB41-7FFB-4F1C-84C7-2BDCAC3F29CF}" type="slidenum">
+              <a:t>8</a:t>
+            </a:fld>
+            <a:endParaRPr lang="en-US"/>
+          </a:p>
+        </p:txBody>
+      </p:sp>
+    </p:spTree>
+    <p:extLst>
+      <p:ext uri="{BB962C8B-B14F-4D97-AF65-F5344CB8AC3E}">
+        <p14:creationId xmlns:p14="http://schemas.microsoft.com/office/powerpoint/2010/main" val="2563818712"/>
+      </p:ext>
+    </p:extLst>
+  </p:cSld>
+  <p:clrMapOvr>
+    <a:masterClrMapping/>
+  </p:clrMapOvr>
+</p:notes>
+</file>
+
+<file path=ppt/notesSlides/notesSlide6.xml><?xml version="1.0" encoding="utf-8"?>
+<p:notes xmlns:a="http://schemas.openxmlformats.org/drawingml/2006/main" xmlns:r="http://schemas.openxmlformats.org/officeDocument/2006/relationships" xmlns:p="http://schemas.openxmlformats.org/presentationml/2006/main">
+  <p:cSld>
+    <p:spTree>
+      <p:nvGrpSpPr>
+        <p:cNvPr id="1" name=""/>
+        <p:cNvGrpSpPr/>
+        <p:nvPr/>
+      </p:nvGrpSpPr>
+      <p:grpSpPr>
+        <a:xfrm>
+          <a:off x="0" y="0"/>
+          <a:ext cx="0" cy="0"/>
+          <a:chOff x="0" y="0"/>
+          <a:chExt cx="0" cy="0"/>
+        </a:xfrm>
+      </p:grpSpPr>
+      <p:sp>
+        <p:nvSpPr>
+          <p:cNvPr id="2" name="Slide Image Placeholder 1"/>
+          <p:cNvSpPr>
+            <a:spLocks noGrp="1" noRot="1" noChangeAspect="1"/>
+          </p:cNvSpPr>
+          <p:nvPr>
+            <p:ph type="sldImg"/>
+          </p:nvPr>
+        </p:nvSpPr>
+        <p:spPr/>
+      </p:sp>
+      <p:sp>
+        <p:nvSpPr>
+          <p:cNvPr id="3" name="Notes Placeholder 2"/>
+          <p:cNvSpPr>
+            <a:spLocks noGrp="1"/>
+          </p:cNvSpPr>
+          <p:nvPr>
+            <p:ph type="body" idx="1"/>
+          </p:nvPr>
+        </p:nvSpPr>
+        <p:spPr/>
+        <p:txBody>
+          <a:bodyPr/>
+          <a:lstStyle/>
+          <a:p>
+            <a:r>
+              <a:rPr lang="en-US"/>
+              <a:t>TMDB – the movie database popularity score : </a:t>
+            </a:r>
+          </a:p>
+          <a:p>
+            <a:r>
+              <a:rPr lang="en-US" dirty="0"/>
+              <a:t>Number of votes for the day, views for the day, sers who marked it as a "</a:t>
+            </a:r>
+            <a:r>
+              <a:rPr lang="en-US" err="1"/>
+              <a:t>favourite</a:t>
+            </a:r>
+            <a:r>
+              <a:rPr lang="en-US" dirty="0"/>
+              <a:t>" for the day, users who added it to their "watchlist" for the day, release date, n</a:t>
+            </a:r>
+            <a:r>
+              <a:rPr lang="en-US"/>
+              <a:t>umber of total votes, previous days score</a:t>
+            </a:r>
+            <a:endParaRPr lang="en-US" dirty="0">
+              <a:ea typeface="Calibri"/>
+              <a:cs typeface="Calibri"/>
+            </a:endParaRPr>
+          </a:p>
+          <a:p>
+            <a:endParaRPr lang="en-US" dirty="0">
+              <a:ea typeface="Calibri"/>
+              <a:cs typeface="Calibri"/>
+            </a:endParaRPr>
+          </a:p>
+        </p:txBody>
+      </p:sp>
+      <p:sp>
+        <p:nvSpPr>
+          <p:cNvPr id="4" name="Slide Number Placeholder 3"/>
+          <p:cNvSpPr>
+            <a:spLocks noGrp="1"/>
+          </p:cNvSpPr>
+          <p:nvPr>
+            <p:ph type="sldNum" sz="quarter" idx="5"/>
+          </p:nvPr>
+        </p:nvSpPr>
+        <p:spPr/>
+        <p:txBody>
+          <a:bodyPr/>
+          <a:lstStyle/>
+          <a:p>
+            <a:fld id="{4F7BEB41-7FFB-4F1C-84C7-2BDCAC3F29CF}" type="slidenum">
               <a:t>9</a:t>
             </a:fld>
             <a:endParaRPr lang="en-US"/>
@@ -1052,7 +1168,7 @@
 </p:notes>
 </file>
 
-<file path=ppt/notesSlides/notesSlide6.xml><?xml version="1.0" encoding="utf-8"?>
+<file path=ppt/notesSlides/notesSlide7.xml><?xml version="1.0" encoding="utf-8"?>
 <p:notes xmlns:a="http://schemas.openxmlformats.org/drawingml/2006/main" xmlns:r="http://schemas.openxmlformats.org/officeDocument/2006/relationships" xmlns:p="http://schemas.openxmlformats.org/presentationml/2006/main">
   <p:cSld>
     <p:spTree>
@@ -7403,8 +7519,8 @@
         </p:nvSpPr>
         <p:spPr>
           <a:xfrm>
-            <a:off x="9468176" y="6657945"/>
-            <a:ext cx="2723824" cy="200055"/>
+            <a:off x="9403128" y="6657945"/>
+            <a:ext cx="2788872" cy="200055"/>
           </a:xfrm>
           <a:prstGeom prst="rect">
             <a:avLst/>
@@ -7414,7 +7530,7 @@
           </a:solidFill>
         </p:spPr>
         <p:txBody>
-          <a:bodyPr wrap="none">
+          <a:bodyPr wrap="square">
             <a:spAutoFit/>
           </a:bodyPr>
           <a:lstStyle/>
@@ -7487,6 +7603,329 @@
 </file>
 
 <file path=ppt/slides/slide10.xml><?xml version="1.0" encoding="utf-8"?>
+<p:sld xmlns:a="http://schemas.openxmlformats.org/drawingml/2006/main" xmlns:r="http://schemas.openxmlformats.org/officeDocument/2006/relationships" xmlns:p="http://schemas.openxmlformats.org/presentationml/2006/main">
+  <p:cSld>
+    <p:bg>
+      <p:bgPr>
+        <a:blipFill rotWithShape="1">
+          <a:blip r:embed="rId3">
+            <a:duotone>
+              <a:schemeClr val="bg2">
+                <a:shade val="28000"/>
+                <a:satMod val="94000"/>
+                <a:lumMod val="20000"/>
+              </a:schemeClr>
+              <a:schemeClr val="bg2">
+                <a:tint val="94000"/>
+                <a:shade val="84000"/>
+                <a:satMod val="148000"/>
+                <a:lumMod val="114000"/>
+              </a:schemeClr>
+            </a:duotone>
+          </a:blip>
+          <a:stretch/>
+        </a:blipFill>
+        <a:effectLst/>
+      </p:bgPr>
+    </p:bg>
+    <p:spTree>
+      <p:nvGrpSpPr>
+        <p:cNvPr id="1" name=""/>
+        <p:cNvGrpSpPr/>
+        <p:nvPr/>
+      </p:nvGrpSpPr>
+      <p:grpSpPr>
+        <a:xfrm>
+          <a:off x="0" y="0"/>
+          <a:ext cx="0" cy="0"/>
+          <a:chOff x="0" y="0"/>
+          <a:chExt cx="0" cy="0"/>
+        </a:xfrm>
+      </p:grpSpPr>
+      <p:pic>
+        <p:nvPicPr>
+          <p:cNvPr id="5" name="Picture 4">
+            <a:extLst>
+              <a:ext uri="{FF2B5EF4-FFF2-40B4-BE49-F238E27FC236}">
+                <a16:creationId xmlns:a16="http://schemas.microsoft.com/office/drawing/2014/main" id="{F5DA6671-6CE1-86E7-B961-3CA8820DE27E}"/>
+              </a:ext>
+            </a:extLst>
+          </p:cNvPr>
+          <p:cNvPicPr>
+            <a:picLocks noChangeAspect="1"/>
+          </p:cNvPicPr>
+          <p:nvPr/>
+        </p:nvPicPr>
+        <p:blipFill rotWithShape="1">
+          <a:blip r:embed="rId4">
+            <a:extLst>
+              <a:ext uri="{837473B0-CC2E-450A-ABE3-18F120FF3D39}">
+                <a1611:picAttrSrcUrl xmlns:a1611="http://schemas.microsoft.com/office/drawing/2016/11/main" r:id="rId5"/>
+              </a:ext>
+            </a:extLst>
+          </a:blip>
+          <a:srcRect l="12454" r="14214" b="1"/>
+          <a:stretch/>
+        </p:blipFill>
+        <p:spPr>
+          <a:xfrm>
+            <a:off x="20" y="10"/>
+            <a:ext cx="12191980" cy="6857990"/>
+          </a:xfrm>
+          <a:prstGeom prst="rect">
+            <a:avLst/>
+          </a:prstGeom>
+        </p:spPr>
+      </p:pic>
+      <p:sp useBgFill="1">
+        <p:nvSpPr>
+          <p:cNvPr id="15" name="Rounded Rectangle 8">
+            <a:extLst>
+              <a:ext uri="{FF2B5EF4-FFF2-40B4-BE49-F238E27FC236}">
+                <a16:creationId xmlns:a16="http://schemas.microsoft.com/office/drawing/2014/main" id="{E7BBC551-30DE-45DA-907B-61CA772DACCD}"/>
+              </a:ext>
+              <a:ext uri="{C183D7F6-B498-43B3-948B-1728B52AA6E4}">
+                <adec:decorative xmlns:adec="http://schemas.microsoft.com/office/drawing/2017/decorative" val="1"/>
+              </a:ext>
+            </a:extLst>
+          </p:cNvPr>
+          <p:cNvSpPr>
+            <a:spLocks noGrp="1" noRot="1" noChangeAspect="1" noMove="1" noResize="1" noEditPoints="1" noAdjustHandles="1" noChangeArrowheads="1" noChangeShapeType="1" noTextEdit="1"/>
+          </p:cNvSpPr>
+          <p:nvPr>
+            <p:extLst>
+              <p:ext uri="{386F3935-93C4-4BCD-93E2-E3B085C9AB24}">
+                <p16:designElem xmlns:p16="http://schemas.microsoft.com/office/powerpoint/2015/main" val="1"/>
+              </p:ext>
+            </p:extLst>
+          </p:nvPr>
+        </p:nvSpPr>
+        <p:spPr>
+          <a:xfrm>
+            <a:off x="864042" y="573488"/>
+            <a:ext cx="10463916" cy="5711024"/>
+          </a:xfrm>
+          <a:prstGeom prst="roundRect">
+            <a:avLst>
+              <a:gd name="adj" fmla="val 1827"/>
+            </a:avLst>
+          </a:prstGeom>
+          <a:ln w="44450">
+            <a:gradFill>
+              <a:gsLst>
+                <a:gs pos="0">
+                  <a:schemeClr val="bg2">
+                    <a:alpha val="65000"/>
+                  </a:schemeClr>
+                </a:gs>
+                <a:gs pos="98000">
+                  <a:schemeClr val="bg2">
+                    <a:lumMod val="75000"/>
+                    <a:alpha val="55000"/>
+                  </a:schemeClr>
+                </a:gs>
+              </a:gsLst>
+              <a:lin ang="5400000" scaled="1"/>
+            </a:gradFill>
+          </a:ln>
+          <a:effectLst>
+            <a:innerShdw blurRad="63500" dist="50800" dir="14460000">
+              <a:prstClr val="black">
+                <a:alpha val="70000"/>
+              </a:prstClr>
+            </a:innerShdw>
+          </a:effectLst>
+        </p:spPr>
+        <p:style>
+          <a:lnRef idx="2">
+            <a:schemeClr val="accent1">
+              <a:shade val="50000"/>
+            </a:schemeClr>
+          </a:lnRef>
+          <a:fillRef idx="1003">
+            <a:schemeClr val="dk2"/>
+          </a:fillRef>
+          <a:effectRef idx="0">
+            <a:schemeClr val="accent1"/>
+          </a:effectRef>
+          <a:fontRef idx="minor">
+            <a:schemeClr val="lt1"/>
+          </a:fontRef>
+        </p:style>
+        <p:txBody>
+          <a:bodyPr rtlCol="0" anchor="ctr"/>
+          <a:lstStyle/>
+          <a:p>
+            <a:pPr marL="0" marR="0" lvl="0" indent="0" algn="ctr" defTabSz="914400" rtl="0" eaLnBrk="1" fontAlgn="auto" latinLnBrk="0" hangingPunct="1">
+              <a:lnSpc>
+                <a:spcPct val="100000"/>
+              </a:lnSpc>
+              <a:spcBef>
+                <a:spcPts val="0"/>
+              </a:spcBef>
+              <a:spcAft>
+                <a:spcPts val="0"/>
+              </a:spcAft>
+              <a:buClrTx/>
+              <a:buSzTx/>
+              <a:buFontTx/>
+              <a:buNone/>
+              <a:tabLst/>
+              <a:defRPr/>
+            </a:pPr>
+            <a:endParaRPr kumimoji="0" lang="en-US" sz="1800" b="0" i="0" u="none" strike="noStrike" kern="1200" cap="none" spc="0" normalizeH="0" baseline="0" noProof="0">
+              <a:ln>
+                <a:noFill/>
+              </a:ln>
+              <a:solidFill>
+                <a:prstClr val="white"/>
+              </a:solidFill>
+              <a:effectLst/>
+              <a:uLnTx/>
+              <a:uFillTx/>
+              <a:latin typeface="Century Gothic" panose="020B0502020202020204"/>
+              <a:ea typeface="+mn-ea"/>
+              <a:cs typeface="+mn-cs"/>
+            </a:endParaRPr>
+          </a:p>
+        </p:txBody>
+      </p:sp>
+      <p:sp>
+        <p:nvSpPr>
+          <p:cNvPr id="2" name="Title 1">
+            <a:extLst>
+              <a:ext uri="{FF2B5EF4-FFF2-40B4-BE49-F238E27FC236}">
+                <a16:creationId xmlns:a16="http://schemas.microsoft.com/office/drawing/2014/main" id="{21F33BF7-8D36-4183-5CC3-1A41D848BCA1}"/>
+              </a:ext>
+            </a:extLst>
+          </p:cNvPr>
+          <p:cNvSpPr>
+            <a:spLocks noGrp="1"/>
+          </p:cNvSpPr>
+          <p:nvPr>
+            <p:ph type="title"/>
+          </p:nvPr>
+        </p:nvSpPr>
+        <p:spPr>
+          <a:xfrm>
+            <a:off x="1329170" y="646301"/>
+            <a:ext cx="9556612" cy="1635034"/>
+          </a:xfrm>
+        </p:spPr>
+        <p:txBody>
+          <a:bodyPr>
+            <a:normAutofit/>
+          </a:bodyPr>
+          <a:lstStyle/>
+          <a:p>
+            <a:r>
+              <a:rPr lang="en-US" dirty="0">
+                <a:effectLst>
+                  <a:glow rad="38100">
+                    <a:prstClr val="black">
+                      <a:lumMod val="65000"/>
+                      <a:lumOff val="35000"/>
+                      <a:alpha val="40000"/>
+                    </a:prstClr>
+                  </a:glow>
+                  <a:outerShdw blurRad="28575" dist="38100" dir="14040000" algn="tl" rotWithShape="0">
+                    <a:srgbClr val="000000">
+                      <a:alpha val="25000"/>
+                    </a:srgbClr>
+                  </a:outerShdw>
+                </a:effectLst>
+              </a:rPr>
+              <a:t>Documentary Data set </a:t>
+            </a:r>
+          </a:p>
+        </p:txBody>
+      </p:sp>
+      <p:sp>
+        <p:nvSpPr>
+          <p:cNvPr id="3" name="Content Placeholder 2">
+            <a:extLst>
+              <a:ext uri="{FF2B5EF4-FFF2-40B4-BE49-F238E27FC236}">
+                <a16:creationId xmlns:a16="http://schemas.microsoft.com/office/drawing/2014/main" id="{1C24A7C2-6841-BC32-400B-9A2A4EA309C7}"/>
+              </a:ext>
+            </a:extLst>
+          </p:cNvPr>
+          <p:cNvSpPr>
+            <a:spLocks noGrp="1"/>
+          </p:cNvSpPr>
+          <p:nvPr>
+            <p:ph idx="1"/>
+          </p:nvPr>
+        </p:nvSpPr>
+        <p:spPr>
+          <a:xfrm>
+            <a:off x="1329169" y="2666999"/>
+            <a:ext cx="9556612" cy="3037115"/>
+          </a:xfrm>
+        </p:spPr>
+        <p:txBody>
+          <a:bodyPr>
+            <a:normAutofit/>
+          </a:bodyPr>
+          <a:lstStyle/>
+          <a:p>
+            <a:endParaRPr lang="en-US" dirty="0">
+              <a:effectLst>
+                <a:glow rad="38100">
+                  <a:prstClr val="black">
+                    <a:lumMod val="50000"/>
+                    <a:lumOff val="50000"/>
+                    <a:alpha val="20000"/>
+                  </a:prstClr>
+                </a:glow>
+                <a:outerShdw blurRad="44450" dist="12700" dir="13860000" algn="tl" rotWithShape="0">
+                  <a:srgbClr val="000000">
+                    <a:alpha val="20000"/>
+                  </a:srgbClr>
+                </a:outerShdw>
+              </a:effectLst>
+              <a:ea typeface="+mn-lt"/>
+              <a:cs typeface="+mn-lt"/>
+            </a:endParaRPr>
+          </a:p>
+          <a:p>
+            <a:pPr>
+              <a:buClr>
+                <a:srgbClr val="FFFFFF"/>
+              </a:buClr>
+            </a:pPr>
+            <a:endParaRPr lang="en-US" dirty="0">
+              <a:effectLst>
+                <a:glow rad="38100">
+                  <a:prstClr val="black">
+                    <a:lumMod val="50000"/>
+                    <a:lumOff val="50000"/>
+                    <a:alpha val="20000"/>
+                  </a:prstClr>
+                </a:glow>
+                <a:outerShdw blurRad="44450" dist="12700" dir="13860000" algn="tl" rotWithShape="0">
+                  <a:srgbClr val="000000">
+                    <a:alpha val="20000"/>
+                  </a:srgbClr>
+                </a:outerShdw>
+              </a:effectLst>
+            </a:endParaRPr>
+          </a:p>
+        </p:txBody>
+      </p:sp>
+    </p:spTree>
+    <p:extLst>
+      <p:ext uri="{BB962C8B-B14F-4D97-AF65-F5344CB8AC3E}">
+        <p14:creationId xmlns:p14="http://schemas.microsoft.com/office/powerpoint/2010/main" val="659641610"/>
+      </p:ext>
+    </p:extLst>
+  </p:cSld>
+  <p:clrMapOvr>
+    <a:masterClrMapping/>
+  </p:clrMapOvr>
+</p:sld>
+</file>
+
+<file path=ppt/slides/slide11.xml><?xml version="1.0" encoding="utf-8"?>
 <p:sld xmlns:a="http://schemas.openxmlformats.org/drawingml/2006/main" xmlns:r="http://schemas.openxmlformats.org/officeDocument/2006/relationships" xmlns:p="http://schemas.openxmlformats.org/presentationml/2006/main">
   <p:cSld>
     <p:bg>
@@ -11059,7 +11498,7 @@
                   </a:outerShdw>
                 </a:effectLst>
               </a:rPr>
-              <a:t>Comedy Data set </a:t>
+              <a:t>Action - Data set </a:t>
             </a:r>
           </a:p>
         </p:txBody>
@@ -11136,10 +11575,138 @@
           </a:p>
         </p:txBody>
       </p:sp>
+      <p:sp>
+        <p:nvSpPr>
+          <p:cNvPr id="4" name="TextBox 3">
+            <a:extLst>
+              <a:ext uri="{FF2B5EF4-FFF2-40B4-BE49-F238E27FC236}">
+                <a16:creationId xmlns:a16="http://schemas.microsoft.com/office/drawing/2014/main" id="{613A36FA-A7A9-59F9-8A71-7A07B4387EEC}"/>
+              </a:ext>
+            </a:extLst>
+          </p:cNvPr>
+          <p:cNvSpPr txBox="1"/>
+          <p:nvPr/>
+        </p:nvSpPr>
+        <p:spPr>
+          <a:xfrm>
+            <a:off x="6133171" y="2741340"/>
+            <a:ext cx="4655633" cy="2308324"/>
+          </a:xfrm>
+          <a:prstGeom prst="rect">
+            <a:avLst/>
+          </a:prstGeom>
+          <a:noFill/>
+        </p:spPr>
+        <p:txBody>
+          <a:bodyPr rot="0" spcFirstLastPara="0" vertOverflow="overflow" horzOverflow="overflow" vert="horz" wrap="square" lIns="91440" tIns="45720" rIns="91440" bIns="45720" numCol="1" spcCol="0" rtlCol="0" fromWordArt="0" anchor="t" anchorCtr="0" forceAA="0" compatLnSpc="1">
+            <a:prstTxWarp prst="textNoShape">
+              <a:avLst/>
+            </a:prstTxWarp>
+            <a:spAutoFit/>
+          </a:bodyPr>
+          <a:lstStyle/>
+          <a:p>
+            <a:pPr marL="285750" indent="-285750">
+              <a:buFont typeface="Arial"/>
+              <a:buChar char="•"/>
+            </a:pPr>
+            <a:r>
+              <a:rPr lang="en-US" dirty="0">
+                <a:ea typeface="+mn-lt"/>
+                <a:cs typeface="+mn-lt"/>
+              </a:rPr>
+              <a:t>The most featured actors/actresses in action movies are international actors/actresses, which could represent Netflix’s desire to incorporate more international films.</a:t>
+            </a:r>
+          </a:p>
+          <a:p>
+            <a:pPr marL="285750" indent="-285750">
+              <a:buFont typeface="Arial"/>
+              <a:buChar char="•"/>
+            </a:pPr>
+            <a:endParaRPr lang="en-US" dirty="0">
+              <a:ea typeface="+mn-lt"/>
+              <a:cs typeface="+mn-lt"/>
+            </a:endParaRPr>
+          </a:p>
+          <a:p>
+            <a:pPr marL="285750" indent="-285750">
+              <a:buFont typeface="Arial"/>
+              <a:buChar char="•"/>
+            </a:pPr>
+            <a:r>
+              <a:rPr lang="en-US" dirty="0">
+                <a:ea typeface="+mn-lt"/>
+                <a:cs typeface="+mn-lt"/>
+              </a:rPr>
+              <a:t> There will have to be more data munging to figure if this is the case.</a:t>
+            </a:r>
+            <a:endParaRPr lang="en-US" dirty="0"/>
+          </a:p>
+        </p:txBody>
+      </p:sp>
+      <p:pic>
+        <p:nvPicPr>
+          <p:cNvPr id="7" name="Picture 7" descr="Chart, bar chart&#10;&#10;Description automatically generated">
+            <a:extLst>
+              <a:ext uri="{FF2B5EF4-FFF2-40B4-BE49-F238E27FC236}">
+                <a16:creationId xmlns:a16="http://schemas.microsoft.com/office/drawing/2014/main" id="{A5AECA36-A500-221F-6984-542581552F94}"/>
+              </a:ext>
+            </a:extLst>
+          </p:cNvPr>
+          <p:cNvPicPr>
+            <a:picLocks noChangeAspect="1"/>
+          </p:cNvPicPr>
+          <p:nvPr/>
+        </p:nvPicPr>
+        <p:blipFill>
+          <a:blip r:embed="rId6"/>
+          <a:stretch>
+            <a:fillRect/>
+          </a:stretch>
+        </p:blipFill>
+        <p:spPr>
+          <a:xfrm>
+            <a:off x="1332571" y="2272990"/>
+            <a:ext cx="4685369" cy="3101897"/>
+          </a:xfrm>
+          <a:prstGeom prst="rect">
+            <a:avLst/>
+          </a:prstGeom>
+          <a:solidFill>
+            <a:srgbClr val="FFFFFF">
+              <a:shade val="85000"/>
+            </a:srgbClr>
+          </a:solidFill>
+          <a:ln w="190500" cap="rnd">
+            <a:solidFill>
+              <a:srgbClr val="FFFFFF"/>
+            </a:solidFill>
+          </a:ln>
+          <a:effectLst>
+            <a:outerShdw blurRad="50000" algn="tl" rotWithShape="0">
+              <a:srgbClr val="000000">
+                <a:alpha val="41000"/>
+              </a:srgbClr>
+            </a:outerShdw>
+          </a:effectLst>
+          <a:scene3d>
+            <a:camera prst="orthographicFront"/>
+            <a:lightRig rig="twoPt" dir="t">
+              <a:rot lat="0" lon="0" rev="7800000"/>
+            </a:lightRig>
+          </a:scene3d>
+          <a:sp3d contourW="6350">
+            <a:bevelT w="50800" h="16510"/>
+            <a:contourClr>
+              <a:srgbClr val="C0C0C0"/>
+            </a:contourClr>
+          </a:sp3d>
+        </p:spPr>
+      </p:pic>
     </p:spTree>
     <p:extLst>
       <p:ext uri="{BB962C8B-B14F-4D97-AF65-F5344CB8AC3E}">
-        <p14:creationId xmlns:p14="http://schemas.microsoft.com/office/powerpoint/2010/main" val="3982526588"/>
+        <p14:creationId xmlns:p14="http://schemas.microsoft.com/office/powerpoint/2010/main" val="4276612333"/>
       </p:ext>
     </p:extLst>
   </p:cSld>
@@ -11382,7 +11949,7 @@
                   </a:outerShdw>
                 </a:effectLst>
               </a:rPr>
-              <a:t>Horror Data set </a:t>
+              <a:t>Comedy Data set </a:t>
             </a:r>
           </a:p>
         </p:txBody>
@@ -11462,7 +12029,7 @@
     </p:spTree>
     <p:extLst>
       <p:ext uri="{BB962C8B-B14F-4D97-AF65-F5344CB8AC3E}">
-        <p14:creationId xmlns:p14="http://schemas.microsoft.com/office/powerpoint/2010/main" val="1321260109"/>
+        <p14:creationId xmlns:p14="http://schemas.microsoft.com/office/powerpoint/2010/main" val="3982526588"/>
       </p:ext>
     </p:extLst>
   </p:cSld>
@@ -11705,7 +12272,7 @@
                   </a:outerShdw>
                 </a:effectLst>
               </a:rPr>
-              <a:t>Documentary Data set </a:t>
+              <a:t>Horror Data set </a:t>
             </a:r>
           </a:p>
         </p:txBody>
@@ -11785,7 +12352,7 @@
     </p:spTree>
     <p:extLst>
       <p:ext uri="{BB962C8B-B14F-4D97-AF65-F5344CB8AC3E}">
-        <p14:creationId xmlns:p14="http://schemas.microsoft.com/office/powerpoint/2010/main" val="659641610"/>
+        <p14:creationId xmlns:p14="http://schemas.microsoft.com/office/powerpoint/2010/main" val="1321260109"/>
       </p:ext>
     </p:extLst>
   </p:cSld>
